--- a/Algorithm/DSA- Learning.pptx
+++ b/Algorithm/DSA- Learning.pptx
@@ -23,21 +23,7 @@
     <p:sldId id="270" r:id="rId17"/>
     <p:sldId id="271" r:id="rId18"/>
     <p:sldId id="276" r:id="rId19"/>
-    <p:sldId id="272" r:id="rId20"/>
-    <p:sldId id="273" r:id="rId21"/>
-    <p:sldId id="274" r:id="rId22"/>
-    <p:sldId id="275" r:id="rId23"/>
-    <p:sldId id="278" r:id="rId24"/>
-    <p:sldId id="279" r:id="rId25"/>
-    <p:sldId id="280" r:id="rId26"/>
-    <p:sldId id="281" r:id="rId27"/>
-    <p:sldId id="282" r:id="rId28"/>
-    <p:sldId id="283" r:id="rId29"/>
-    <p:sldId id="284" r:id="rId30"/>
-    <p:sldId id="285" r:id="rId31"/>
-    <p:sldId id="286" r:id="rId32"/>
-    <p:sldId id="287" r:id="rId33"/>
-    <p:sldId id="288" r:id="rId34"/>
+    <p:sldId id="278" r:id="rId20"/>
   </p:sldIdLst>
   <p:sldSz cx="12192000" cy="6858000"/>
   <p:notesSz cx="6858000" cy="9144000"/>
@@ -5178,7 +5164,7 @@
         </a:bodyPr>
         <a:lstStyle/>
         <a:p>
-          <a:pPr lvl="0" algn="ctr" defTabSz="1155700">
+          <a:pPr lvl="0" algn="ctr" defTabSz="1066800">
             <a:lnSpc>
               <a:spcPct val="90000"/>
             </a:lnSpc>
@@ -5189,7 +5175,7 @@
               <a:spcPct val="35000"/>
             </a:spcAft>
           </a:pPr>
-          <a:endParaRPr lang="en-US" sz="2600" kern="1200"/>
+          <a:endParaRPr lang="en-US" sz="2400" kern="1200"/>
         </a:p>
       </dsp:txBody>
       <dsp:txXfrm>
@@ -5326,7 +5312,7 @@
         </a:bodyPr>
         <a:lstStyle/>
         <a:p>
-          <a:pPr lvl="0" algn="ctr" defTabSz="1155700">
+          <a:pPr lvl="0" algn="ctr" defTabSz="1066800">
             <a:lnSpc>
               <a:spcPct val="90000"/>
             </a:lnSpc>
@@ -5337,7 +5323,7 @@
               <a:spcPct val="35000"/>
             </a:spcAft>
           </a:pPr>
-          <a:endParaRPr lang="en-US" sz="2600" kern="1200"/>
+          <a:endParaRPr lang="en-US" sz="2400" kern="1200"/>
         </a:p>
       </dsp:txBody>
       <dsp:txXfrm>
@@ -11295,7 +11281,7 @@
           <a:p>
             <a:fld id="{97DCDF06-DBF9-4B99-9578-341F39F6D761}" type="datetimeFigureOut">
               <a:rPr lang="en-US" smtClean="0"/>
-              <a:t>3/30/2023</a:t>
+              <a:t>4/14/2023</a:t>
             </a:fld>
             <a:endParaRPr lang="en-US"/>
           </a:p>
@@ -11546,7 +11532,7 @@
           <a:p>
             <a:fld id="{97DCDF06-DBF9-4B99-9578-341F39F6D761}" type="datetimeFigureOut">
               <a:rPr lang="en-US" smtClean="0"/>
-              <a:t>3/30/2023</a:t>
+              <a:t>4/14/2023</a:t>
             </a:fld>
             <a:endParaRPr lang="en-US"/>
           </a:p>
@@ -11860,7 +11846,7 @@
           <a:p>
             <a:fld id="{97DCDF06-DBF9-4B99-9578-341F39F6D761}" type="datetimeFigureOut">
               <a:rPr lang="en-US" smtClean="0"/>
-              <a:t>3/30/2023</a:t>
+              <a:t>4/14/2023</a:t>
             </a:fld>
             <a:endParaRPr lang="en-US"/>
           </a:p>
@@ -12201,7 +12187,7 @@
           <a:p>
             <a:fld id="{97DCDF06-DBF9-4B99-9578-341F39F6D761}" type="datetimeFigureOut">
               <a:rPr lang="en-US" smtClean="0"/>
-              <a:t>3/30/2023</a:t>
+              <a:t>4/14/2023</a:t>
             </a:fld>
             <a:endParaRPr lang="en-US"/>
           </a:p>
@@ -12515,7 +12501,7 @@
           <a:p>
             <a:fld id="{97DCDF06-DBF9-4B99-9578-341F39F6D761}" type="datetimeFigureOut">
               <a:rPr lang="en-US" smtClean="0"/>
-              <a:t>3/30/2023</a:t>
+              <a:t>4/14/2023</a:t>
             </a:fld>
             <a:endParaRPr lang="en-US"/>
           </a:p>
@@ -12908,7 +12894,7 @@
           <a:p>
             <a:fld id="{97DCDF06-DBF9-4B99-9578-341F39F6D761}" type="datetimeFigureOut">
               <a:rPr lang="en-US" smtClean="0"/>
-              <a:t>3/30/2023</a:t>
+              <a:t>4/14/2023</a:t>
             </a:fld>
             <a:endParaRPr lang="en-US"/>
           </a:p>
@@ -13078,7 +13064,7 @@
           <a:p>
             <a:fld id="{97DCDF06-DBF9-4B99-9578-341F39F6D761}" type="datetimeFigureOut">
               <a:rPr lang="en-US" smtClean="0"/>
-              <a:t>3/30/2023</a:t>
+              <a:t>4/14/2023</a:t>
             </a:fld>
             <a:endParaRPr lang="en-US"/>
           </a:p>
@@ -13258,7 +13244,7 @@
           <a:p>
             <a:fld id="{97DCDF06-DBF9-4B99-9578-341F39F6D761}" type="datetimeFigureOut">
               <a:rPr lang="en-US" smtClean="0"/>
-              <a:t>3/30/2023</a:t>
+              <a:t>4/14/2023</a:t>
             </a:fld>
             <a:endParaRPr lang="en-US"/>
           </a:p>
@@ -13434,7 +13420,7 @@
           <a:p>
             <a:fld id="{97DCDF06-DBF9-4B99-9578-341F39F6D761}" type="datetimeFigureOut">
               <a:rPr lang="en-US" smtClean="0"/>
-              <a:t>3/30/2023</a:t>
+              <a:t>4/14/2023</a:t>
             </a:fld>
             <a:endParaRPr lang="en-US"/>
           </a:p>
@@ -13681,7 +13667,7 @@
           <a:p>
             <a:fld id="{97DCDF06-DBF9-4B99-9578-341F39F6D761}" type="datetimeFigureOut">
               <a:rPr lang="en-US" smtClean="0"/>
-              <a:t>3/30/2023</a:t>
+              <a:t>4/14/2023</a:t>
             </a:fld>
             <a:endParaRPr lang="en-US"/>
           </a:p>
@@ -13913,7 +13899,7 @@
           <a:p>
             <a:fld id="{97DCDF06-DBF9-4B99-9578-341F39F6D761}" type="datetimeFigureOut">
               <a:rPr lang="en-US" smtClean="0"/>
-              <a:t>3/30/2023</a:t>
+              <a:t>4/14/2023</a:t>
             </a:fld>
             <a:endParaRPr lang="en-US"/>
           </a:p>
@@ -14287,7 +14273,7 @@
           <a:p>
             <a:fld id="{97DCDF06-DBF9-4B99-9578-341F39F6D761}" type="datetimeFigureOut">
               <a:rPr lang="en-US" smtClean="0"/>
-              <a:t>3/30/2023</a:t>
+              <a:t>4/14/2023</a:t>
             </a:fld>
             <a:endParaRPr lang="en-US"/>
           </a:p>
@@ -14410,7 +14396,7 @@
           <a:p>
             <a:fld id="{97DCDF06-DBF9-4B99-9578-341F39F6D761}" type="datetimeFigureOut">
               <a:rPr lang="en-US" smtClean="0"/>
-              <a:t>3/30/2023</a:t>
+              <a:t>4/14/2023</a:t>
             </a:fld>
             <a:endParaRPr lang="en-US"/>
           </a:p>
@@ -14505,7 +14491,7 @@
           <a:p>
             <a:fld id="{97DCDF06-DBF9-4B99-9578-341F39F6D761}" type="datetimeFigureOut">
               <a:rPr lang="en-US" smtClean="0"/>
-              <a:t>3/30/2023</a:t>
+              <a:t>4/14/2023</a:t>
             </a:fld>
             <a:endParaRPr lang="en-US"/>
           </a:p>
@@ -14760,7 +14746,7 @@
           <a:p>
             <a:fld id="{97DCDF06-DBF9-4B99-9578-341F39F6D761}" type="datetimeFigureOut">
               <a:rPr lang="en-US" smtClean="0"/>
-              <a:t>3/30/2023</a:t>
+              <a:t>4/14/2023</a:t>
             </a:fld>
             <a:endParaRPr lang="en-US"/>
           </a:p>
@@ -15023,7 +15009,7 @@
           <a:p>
             <a:fld id="{97DCDF06-DBF9-4B99-9578-341F39F6D761}" type="datetimeFigureOut">
               <a:rPr lang="en-US" smtClean="0"/>
-              <a:t>3/30/2023</a:t>
+              <a:t>4/14/2023</a:t>
             </a:fld>
             <a:endParaRPr lang="en-US"/>
           </a:p>
@@ -15766,7 +15752,7 @@
           <a:p>
             <a:fld id="{97DCDF06-DBF9-4B99-9578-341F39F6D761}" type="datetimeFigureOut">
               <a:rPr lang="en-US" smtClean="0"/>
-              <a:t>3/30/2023</a:t>
+              <a:t>4/14/2023</a:t>
             </a:fld>
             <a:endParaRPr lang="en-US"/>
           </a:p>
@@ -17848,11 +17834,7 @@
           <a:bodyPr/>
           <a:lstStyle/>
           <a:p>
-            <a:r>
-              <a:rPr lang="en-US" dirty="0" smtClean="0"/>
-              <a:t>Math Algorithm</a:t>
-            </a:r>
-            <a:endParaRPr lang="en-US" dirty="0"/>
+            <a:endParaRPr lang="en-US"/>
           </a:p>
         </p:txBody>
       </p:sp>
@@ -17866,340 +17848,43 @@
             <p:ph idx="1"/>
           </p:nvPr>
         </p:nvSpPr>
-        <p:spPr>
-          <a:xfrm>
-            <a:off x="677334" y="2160589"/>
-            <a:ext cx="3711786" cy="3880773"/>
-          </a:xfrm>
-        </p:spPr>
+        <p:spPr/>
         <p:txBody>
           <a:bodyPr/>
           <a:lstStyle/>
           <a:p>
-            <a:r>
-              <a:rPr lang="en-US" dirty="0" smtClean="0"/>
-              <a:t>Fibonacci sequence</a:t>
-            </a:r>
-          </a:p>
-          <a:p>
-            <a:r>
-              <a:rPr lang="en-US" dirty="0" smtClean="0"/>
-              <a:t>Factorial of a number</a:t>
-            </a:r>
-          </a:p>
-          <a:p>
-            <a:r>
-              <a:rPr lang="en-US" dirty="0" smtClean="0"/>
-              <a:t>Prime number</a:t>
-            </a:r>
-          </a:p>
-          <a:p>
-            <a:r>
-              <a:rPr lang="en-US" dirty="0" smtClean="0"/>
-              <a:t>Power of two</a:t>
-            </a:r>
-          </a:p>
-          <a:p>
-            <a:r>
-              <a:rPr lang="en-US" dirty="0" smtClean="0"/>
-              <a:t>Recursion</a:t>
-            </a:r>
-            <a:endParaRPr lang="en-US" dirty="0"/>
+            <a:endParaRPr lang="en-US"/>
           </a:p>
         </p:txBody>
       </p:sp>
-      <p:sp>
-        <p:nvSpPr>
-          <p:cNvPr id="4" name="Content Placeholder 2"/>
-          <p:cNvSpPr txBox="1">
-            <a:spLocks/>
-          </p:cNvSpPr>
+      <p:pic>
+        <p:nvPicPr>
+          <p:cNvPr id="4" name="Picture 3"/>
+          <p:cNvPicPr>
+            <a:picLocks noChangeAspect="1"/>
+          </p:cNvPicPr>
           <p:nvPr/>
-        </p:nvSpPr>
+        </p:nvPicPr>
+        <p:blipFill>
+          <a:blip r:embed="rId2"/>
+          <a:stretch>
+            <a:fillRect/>
+          </a:stretch>
+        </p:blipFill>
         <p:spPr>
           <a:xfrm>
-            <a:off x="4389120" y="2160589"/>
-            <a:ext cx="3711786" cy="3880773"/>
+            <a:off x="677334" y="609600"/>
+            <a:ext cx="10489430" cy="5431762"/>
           </a:xfrm>
           <a:prstGeom prst="rect">
             <a:avLst/>
           </a:prstGeom>
         </p:spPr>
-        <p:txBody>
-          <a:bodyPr vert="horz" lIns="91440" tIns="45720" rIns="91440" bIns="45720" rtlCol="0">
-            <a:normAutofit/>
-          </a:bodyPr>
-          <a:lstStyle>
-            <a:lvl1pPr marL="342900" indent="-342900" algn="l" defTabSz="457200" rtl="0" eaLnBrk="1" latinLnBrk="0" hangingPunct="1">
-              <a:spcBef>
-                <a:spcPts val="1000"/>
-              </a:spcBef>
-              <a:spcAft>
-                <a:spcPts val="0"/>
-              </a:spcAft>
-              <a:buClr>
-                <a:schemeClr val="accent1"/>
-              </a:buClr>
-              <a:buSzPct val="80000"/>
-              <a:buFont typeface="Wingdings 3" charset="2"/>
-              <a:buChar char=""/>
-              <a:defRPr sz="1800" kern="1200">
-                <a:solidFill>
-                  <a:schemeClr val="tx1">
-                    <a:lumMod val="75000"/>
-                    <a:lumOff val="25000"/>
-                  </a:schemeClr>
-                </a:solidFill>
-                <a:latin typeface="+mn-lt"/>
-                <a:ea typeface="+mn-ea"/>
-                <a:cs typeface="+mn-cs"/>
-              </a:defRPr>
-            </a:lvl1pPr>
-            <a:lvl2pPr marL="742950" indent="-285750" algn="l" defTabSz="457200" rtl="0" eaLnBrk="1" latinLnBrk="0" hangingPunct="1">
-              <a:spcBef>
-                <a:spcPts val="1000"/>
-              </a:spcBef>
-              <a:spcAft>
-                <a:spcPts val="0"/>
-              </a:spcAft>
-              <a:buClr>
-                <a:schemeClr val="accent1"/>
-              </a:buClr>
-              <a:buSzPct val="80000"/>
-              <a:buFont typeface="Wingdings 3" charset="2"/>
-              <a:buChar char=""/>
-              <a:defRPr sz="1600" kern="1200">
-                <a:solidFill>
-                  <a:schemeClr val="tx1">
-                    <a:lumMod val="75000"/>
-                    <a:lumOff val="25000"/>
-                  </a:schemeClr>
-                </a:solidFill>
-                <a:latin typeface="+mn-lt"/>
-                <a:ea typeface="+mn-ea"/>
-                <a:cs typeface="+mn-cs"/>
-              </a:defRPr>
-            </a:lvl2pPr>
-            <a:lvl3pPr marL="1143000" indent="-228600" algn="l" defTabSz="457200" rtl="0" eaLnBrk="1" latinLnBrk="0" hangingPunct="1">
-              <a:spcBef>
-                <a:spcPts val="1000"/>
-              </a:spcBef>
-              <a:spcAft>
-                <a:spcPts val="0"/>
-              </a:spcAft>
-              <a:buClr>
-                <a:schemeClr val="accent1"/>
-              </a:buClr>
-              <a:buSzPct val="80000"/>
-              <a:buFont typeface="Wingdings 3" charset="2"/>
-              <a:buChar char=""/>
-              <a:defRPr sz="1400" kern="1200">
-                <a:solidFill>
-                  <a:schemeClr val="tx1">
-                    <a:lumMod val="75000"/>
-                    <a:lumOff val="25000"/>
-                  </a:schemeClr>
-                </a:solidFill>
-                <a:latin typeface="+mn-lt"/>
-                <a:ea typeface="+mn-ea"/>
-                <a:cs typeface="+mn-cs"/>
-              </a:defRPr>
-            </a:lvl3pPr>
-            <a:lvl4pPr marL="1600200" indent="-228600" algn="l" defTabSz="457200" rtl="0" eaLnBrk="1" latinLnBrk="0" hangingPunct="1">
-              <a:spcBef>
-                <a:spcPts val="1000"/>
-              </a:spcBef>
-              <a:spcAft>
-                <a:spcPts val="0"/>
-              </a:spcAft>
-              <a:buClr>
-                <a:schemeClr val="accent1"/>
-              </a:buClr>
-              <a:buSzPct val="80000"/>
-              <a:buFont typeface="Wingdings 3" charset="2"/>
-              <a:buChar char=""/>
-              <a:defRPr sz="1200" kern="1200">
-                <a:solidFill>
-                  <a:schemeClr val="tx1">
-                    <a:lumMod val="75000"/>
-                    <a:lumOff val="25000"/>
-                  </a:schemeClr>
-                </a:solidFill>
-                <a:latin typeface="+mn-lt"/>
-                <a:ea typeface="+mn-ea"/>
-                <a:cs typeface="+mn-cs"/>
-              </a:defRPr>
-            </a:lvl4pPr>
-            <a:lvl5pPr marL="2057400" indent="-228600" algn="l" defTabSz="457200" rtl="0" eaLnBrk="1" latinLnBrk="0" hangingPunct="1">
-              <a:spcBef>
-                <a:spcPts val="1000"/>
-              </a:spcBef>
-              <a:spcAft>
-                <a:spcPts val="0"/>
-              </a:spcAft>
-              <a:buClr>
-                <a:schemeClr val="accent1"/>
-              </a:buClr>
-              <a:buSzPct val="80000"/>
-              <a:buFont typeface="Wingdings 3" charset="2"/>
-              <a:buChar char=""/>
-              <a:defRPr sz="1200" kern="1200">
-                <a:solidFill>
-                  <a:schemeClr val="tx1">
-                    <a:lumMod val="75000"/>
-                    <a:lumOff val="25000"/>
-                  </a:schemeClr>
-                </a:solidFill>
-                <a:latin typeface="+mn-lt"/>
-                <a:ea typeface="+mn-ea"/>
-                <a:cs typeface="+mn-cs"/>
-              </a:defRPr>
-            </a:lvl5pPr>
-            <a:lvl6pPr marL="2514600" indent="-228600" algn="l" defTabSz="457200" rtl="0" eaLnBrk="1" latinLnBrk="0" hangingPunct="1">
-              <a:spcBef>
-                <a:spcPts val="1000"/>
-              </a:spcBef>
-              <a:spcAft>
-                <a:spcPts val="0"/>
-              </a:spcAft>
-              <a:buClr>
-                <a:schemeClr val="accent1"/>
-              </a:buClr>
-              <a:buSzPct val="80000"/>
-              <a:buFont typeface="Wingdings 3" charset="2"/>
-              <a:buChar char=""/>
-              <a:defRPr sz="1200" kern="1200">
-                <a:solidFill>
-                  <a:schemeClr val="tx1">
-                    <a:lumMod val="75000"/>
-                    <a:lumOff val="25000"/>
-                  </a:schemeClr>
-                </a:solidFill>
-                <a:latin typeface="+mn-lt"/>
-                <a:ea typeface="+mn-ea"/>
-                <a:cs typeface="+mn-cs"/>
-              </a:defRPr>
-            </a:lvl6pPr>
-            <a:lvl7pPr marL="2971800" indent="-228600" algn="l" defTabSz="457200" rtl="0" eaLnBrk="1" latinLnBrk="0" hangingPunct="1">
-              <a:spcBef>
-                <a:spcPts val="1000"/>
-              </a:spcBef>
-              <a:spcAft>
-                <a:spcPts val="0"/>
-              </a:spcAft>
-              <a:buClr>
-                <a:schemeClr val="accent1"/>
-              </a:buClr>
-              <a:buSzPct val="80000"/>
-              <a:buFont typeface="Wingdings 3" charset="2"/>
-              <a:buChar char=""/>
-              <a:defRPr sz="1200" kern="1200">
-                <a:solidFill>
-                  <a:schemeClr val="tx1">
-                    <a:lumMod val="75000"/>
-                    <a:lumOff val="25000"/>
-                  </a:schemeClr>
-                </a:solidFill>
-                <a:latin typeface="+mn-lt"/>
-                <a:ea typeface="+mn-ea"/>
-                <a:cs typeface="+mn-cs"/>
-              </a:defRPr>
-            </a:lvl7pPr>
-            <a:lvl8pPr marL="3429000" indent="-228600" algn="l" defTabSz="457200" rtl="0" eaLnBrk="1" latinLnBrk="0" hangingPunct="1">
-              <a:spcBef>
-                <a:spcPts val="1000"/>
-              </a:spcBef>
-              <a:spcAft>
-                <a:spcPts val="0"/>
-              </a:spcAft>
-              <a:buClr>
-                <a:schemeClr val="accent1"/>
-              </a:buClr>
-              <a:buSzPct val="80000"/>
-              <a:buFont typeface="Wingdings 3" charset="2"/>
-              <a:buChar char=""/>
-              <a:defRPr sz="1200" kern="1200">
-                <a:solidFill>
-                  <a:schemeClr val="tx1">
-                    <a:lumMod val="75000"/>
-                    <a:lumOff val="25000"/>
-                  </a:schemeClr>
-                </a:solidFill>
-                <a:latin typeface="+mn-lt"/>
-                <a:ea typeface="+mn-ea"/>
-                <a:cs typeface="+mn-cs"/>
-              </a:defRPr>
-            </a:lvl8pPr>
-            <a:lvl9pPr marL="3886200" indent="-228600" algn="l" defTabSz="457200" rtl="0" eaLnBrk="1" latinLnBrk="0" hangingPunct="1">
-              <a:spcBef>
-                <a:spcPts val="1000"/>
-              </a:spcBef>
-              <a:spcAft>
-                <a:spcPts val="0"/>
-              </a:spcAft>
-              <a:buClr>
-                <a:schemeClr val="accent1"/>
-              </a:buClr>
-              <a:buSzPct val="80000"/>
-              <a:buFont typeface="Wingdings 3" charset="2"/>
-              <a:buChar char=""/>
-              <a:defRPr sz="1200" kern="1200">
-                <a:solidFill>
-                  <a:schemeClr val="tx1">
-                    <a:lumMod val="75000"/>
-                    <a:lumOff val="25000"/>
-                  </a:schemeClr>
-                </a:solidFill>
-                <a:latin typeface="+mn-lt"/>
-                <a:ea typeface="+mn-ea"/>
-                <a:cs typeface="+mn-cs"/>
-              </a:defRPr>
-            </a:lvl9pPr>
-          </a:lstStyle>
-          <a:p>
-            <a:r>
-              <a:rPr lang="en-US" dirty="0" smtClean="0"/>
-              <a:t>The approach</a:t>
-            </a:r>
-          </a:p>
-          <a:p>
-            <a:r>
-              <a:rPr lang="en-US" dirty="0" smtClean="0"/>
-              <a:t>Problem Statement</a:t>
-            </a:r>
-          </a:p>
-          <a:p>
-            <a:r>
-              <a:rPr lang="en-US" dirty="0" smtClean="0"/>
-              <a:t>Implement the solution</a:t>
-            </a:r>
-          </a:p>
-          <a:p>
-            <a:r>
-              <a:rPr lang="en-US" dirty="0" smtClean="0"/>
-              <a:t>Determine the Big-O of the </a:t>
-            </a:r>
-            <a:r>
-              <a:rPr lang="en-US" dirty="0" err="1" smtClean="0"/>
-              <a:t>soluntion</a:t>
-            </a:r>
-            <a:r>
-              <a:rPr lang="en-US" dirty="0" smtClean="0"/>
-              <a:t> </a:t>
-            </a:r>
-          </a:p>
-          <a:p>
-            <a:endParaRPr lang="en-US" dirty="0"/>
-          </a:p>
-          <a:p>
-            <a:endParaRPr lang="en-US" dirty="0"/>
-          </a:p>
-        </p:txBody>
-      </p:sp>
+      </p:pic>
     </p:spTree>
     <p:extLst>
       <p:ext uri="{BB962C8B-B14F-4D97-AF65-F5344CB8AC3E}">
-        <p14:creationId xmlns:p14="http://schemas.microsoft.com/office/powerpoint/2010/main" val="1665479534"/>
+        <p14:creationId xmlns:p14="http://schemas.microsoft.com/office/powerpoint/2010/main" val="2403011409"/>
       </p:ext>
     </p:extLst>
   </p:cSld>
@@ -18334,1486 +18019,6 @@
 </p:sld>
 </file>
 
-<file path=ppt/slides/slide20.xml><?xml version="1.0" encoding="utf-8"?>
-<p:sld xmlns:a="http://schemas.openxmlformats.org/drawingml/2006/main" xmlns:r="http://schemas.openxmlformats.org/officeDocument/2006/relationships" xmlns:p="http://schemas.openxmlformats.org/presentationml/2006/main">
-  <p:cSld>
-    <p:spTree>
-      <p:nvGrpSpPr>
-        <p:cNvPr id="1" name=""/>
-        <p:cNvGrpSpPr/>
-        <p:nvPr/>
-      </p:nvGrpSpPr>
-      <p:grpSpPr>
-        <a:xfrm>
-          <a:off x="0" y="0"/>
-          <a:ext cx="0" cy="0"/>
-          <a:chOff x="0" y="0"/>
-          <a:chExt cx="0" cy="0"/>
-        </a:xfrm>
-      </p:grpSpPr>
-      <p:sp>
-        <p:nvSpPr>
-          <p:cNvPr id="2" name="Title 1"/>
-          <p:cNvSpPr>
-            <a:spLocks noGrp="1"/>
-          </p:cNvSpPr>
-          <p:nvPr>
-            <p:ph type="title"/>
-          </p:nvPr>
-        </p:nvSpPr>
-        <p:spPr/>
-        <p:txBody>
-          <a:bodyPr/>
-          <a:lstStyle/>
-          <a:p>
-            <a:r>
-              <a:rPr lang="en-US" dirty="0" smtClean="0"/>
-              <a:t>Fibonacci sequence</a:t>
-            </a:r>
-            <a:endParaRPr lang="en-US" dirty="0"/>
-          </a:p>
-        </p:txBody>
-      </p:sp>
-      <p:sp>
-        <p:nvSpPr>
-          <p:cNvPr id="3" name="Content Placeholder 2"/>
-          <p:cNvSpPr>
-            <a:spLocks noGrp="1"/>
-          </p:cNvSpPr>
-          <p:nvPr>
-            <p:ph idx="1"/>
-          </p:nvPr>
-        </p:nvSpPr>
-        <p:spPr/>
-        <p:txBody>
-          <a:bodyPr/>
-          <a:lstStyle/>
-          <a:p>
-            <a:r>
-              <a:rPr lang="en-US" dirty="0" smtClean="0"/>
-              <a:t>Problem – Give a number ‘n’, find the first ‘n’ elements of the Fibonacci sequence.</a:t>
-            </a:r>
-          </a:p>
-          <a:p>
-            <a:r>
-              <a:rPr lang="en-US" dirty="0" smtClean="0"/>
-              <a:t>In mathematics , the Fibonacci sequence is a sequence in which each number is the sum of the two preceding ones.</a:t>
-            </a:r>
-          </a:p>
-          <a:p>
-            <a:r>
-              <a:rPr lang="en-US" dirty="0" smtClean="0"/>
-              <a:t>The first two numbers in the sequence are 0, 1</a:t>
-            </a:r>
-          </a:p>
-          <a:p>
-            <a:r>
-              <a:rPr lang="en-US" dirty="0" smtClean="0"/>
-              <a:t>Fibonacci of (2) = [0,1]</a:t>
-            </a:r>
-          </a:p>
-          <a:p>
-            <a:r>
-              <a:rPr lang="en-US" dirty="0" smtClean="0"/>
-              <a:t>Fibonacci of (3) = [0,1,1] – this is because the third number is the sum of the previous two numbers</a:t>
-            </a:r>
-          </a:p>
-          <a:p>
-            <a:r>
-              <a:rPr lang="en-US" dirty="0" smtClean="0"/>
-              <a:t>Fibonacci of (7) = [0,1,1,2,3,5,8] every number is sum of previous two numbers</a:t>
-            </a:r>
-            <a:endParaRPr lang="en-US" dirty="0"/>
-          </a:p>
-        </p:txBody>
-      </p:sp>
-    </p:spTree>
-    <p:extLst>
-      <p:ext uri="{BB962C8B-B14F-4D97-AF65-F5344CB8AC3E}">
-        <p14:creationId xmlns:p14="http://schemas.microsoft.com/office/powerpoint/2010/main" val="3533604463"/>
-      </p:ext>
-    </p:extLst>
-  </p:cSld>
-  <p:clrMapOvr>
-    <a:masterClrMapping/>
-  </p:clrMapOvr>
-</p:sld>
-</file>
-
-<file path=ppt/slides/slide21.xml><?xml version="1.0" encoding="utf-8"?>
-<p:sld xmlns:a="http://schemas.openxmlformats.org/drawingml/2006/main" xmlns:r="http://schemas.openxmlformats.org/officeDocument/2006/relationships" xmlns:p="http://schemas.openxmlformats.org/presentationml/2006/main">
-  <p:cSld>
-    <p:spTree>
-      <p:nvGrpSpPr>
-        <p:cNvPr id="1" name=""/>
-        <p:cNvGrpSpPr/>
-        <p:nvPr/>
-      </p:nvGrpSpPr>
-      <p:grpSpPr>
-        <a:xfrm>
-          <a:off x="0" y="0"/>
-          <a:ext cx="0" cy="0"/>
-          <a:chOff x="0" y="0"/>
-          <a:chExt cx="0" cy="0"/>
-        </a:xfrm>
-      </p:grpSpPr>
-      <p:sp>
-        <p:nvSpPr>
-          <p:cNvPr id="2" name="Title 1"/>
-          <p:cNvSpPr>
-            <a:spLocks noGrp="1"/>
-          </p:cNvSpPr>
-          <p:nvPr>
-            <p:ph type="title"/>
-          </p:nvPr>
-        </p:nvSpPr>
-        <p:spPr/>
-        <p:txBody>
-          <a:bodyPr/>
-          <a:lstStyle/>
-          <a:p>
-            <a:r>
-              <a:rPr lang="en-US" dirty="0" smtClean="0"/>
-              <a:t>Factorial of a number</a:t>
-            </a:r>
-            <a:endParaRPr lang="en-US" dirty="0"/>
-          </a:p>
-        </p:txBody>
-      </p:sp>
-      <p:sp>
-        <p:nvSpPr>
-          <p:cNvPr id="3" name="Content Placeholder 2"/>
-          <p:cNvSpPr>
-            <a:spLocks noGrp="1"/>
-          </p:cNvSpPr>
-          <p:nvPr>
-            <p:ph idx="1"/>
-          </p:nvPr>
-        </p:nvSpPr>
-        <p:spPr/>
-        <p:txBody>
-          <a:bodyPr/>
-          <a:lstStyle/>
-          <a:p>
-            <a:r>
-              <a:rPr lang="en-US" dirty="0" smtClean="0"/>
-              <a:t>Problem – give an integer ‘n’, find the factorial of that integer.</a:t>
-            </a:r>
-            <a:endParaRPr lang="en-US" dirty="0"/>
-          </a:p>
-          <a:p>
-            <a:r>
-              <a:rPr lang="en-US" dirty="0" smtClean="0"/>
-              <a:t>In mathematics, the factorial of a non-negative integer ‘n’, denoted n!, is the product of all positive integers less than or equal to ‘n</a:t>
-            </a:r>
-            <a:r>
-              <a:rPr lang="en-US" dirty="0" smtClean="0"/>
-              <a:t>’.</a:t>
-            </a:r>
-            <a:endParaRPr lang="en-US" dirty="0" smtClean="0"/>
-          </a:p>
-          <a:p>
-            <a:r>
-              <a:rPr lang="en-US" dirty="0" smtClean="0"/>
-              <a:t>Factorial of zero is 1.</a:t>
-            </a:r>
-          </a:p>
-          <a:p>
-            <a:r>
-              <a:rPr lang="en-US" dirty="0" smtClean="0"/>
-              <a:t>Factorial of (4) = 4*3*2*1 =24</a:t>
-            </a:r>
-          </a:p>
-          <a:p>
-            <a:r>
-              <a:rPr lang="en-US" dirty="0" smtClean="0"/>
-              <a:t>Factorial(5) = 5*4*3*2*1 = 120</a:t>
-            </a:r>
-            <a:endParaRPr lang="en-US" dirty="0"/>
-          </a:p>
-        </p:txBody>
-      </p:sp>
-    </p:spTree>
-    <p:extLst>
-      <p:ext uri="{BB962C8B-B14F-4D97-AF65-F5344CB8AC3E}">
-        <p14:creationId xmlns:p14="http://schemas.microsoft.com/office/powerpoint/2010/main" val="850312550"/>
-      </p:ext>
-    </p:extLst>
-  </p:cSld>
-  <p:clrMapOvr>
-    <a:masterClrMapping/>
-  </p:clrMapOvr>
-</p:sld>
-</file>
-
-<file path=ppt/slides/slide22.xml><?xml version="1.0" encoding="utf-8"?>
-<p:sld xmlns:a="http://schemas.openxmlformats.org/drawingml/2006/main" xmlns:r="http://schemas.openxmlformats.org/officeDocument/2006/relationships" xmlns:p="http://schemas.openxmlformats.org/presentationml/2006/main">
-  <p:cSld>
-    <p:spTree>
-      <p:nvGrpSpPr>
-        <p:cNvPr id="1" name=""/>
-        <p:cNvGrpSpPr/>
-        <p:nvPr/>
-      </p:nvGrpSpPr>
-      <p:grpSpPr>
-        <a:xfrm>
-          <a:off x="0" y="0"/>
-          <a:ext cx="0" cy="0"/>
-          <a:chOff x="0" y="0"/>
-          <a:chExt cx="0" cy="0"/>
-        </a:xfrm>
-      </p:grpSpPr>
-      <p:sp>
-        <p:nvSpPr>
-          <p:cNvPr id="2" name="Title 1"/>
-          <p:cNvSpPr>
-            <a:spLocks noGrp="1"/>
-          </p:cNvSpPr>
-          <p:nvPr>
-            <p:ph type="title"/>
-          </p:nvPr>
-        </p:nvSpPr>
-        <p:spPr/>
-        <p:txBody>
-          <a:bodyPr/>
-          <a:lstStyle/>
-          <a:p>
-            <a:r>
-              <a:rPr lang="en-US" dirty="0" smtClean="0"/>
-              <a:t>Prime Number</a:t>
-            </a:r>
-            <a:endParaRPr lang="en-US" dirty="0"/>
-          </a:p>
-        </p:txBody>
-      </p:sp>
-      <p:sp>
-        <p:nvSpPr>
-          <p:cNvPr id="3" name="Content Placeholder 2"/>
-          <p:cNvSpPr>
-            <a:spLocks noGrp="1"/>
-          </p:cNvSpPr>
-          <p:nvPr>
-            <p:ph idx="1"/>
-          </p:nvPr>
-        </p:nvSpPr>
-        <p:spPr/>
-        <p:txBody>
-          <a:bodyPr/>
-          <a:lstStyle/>
-          <a:p>
-            <a:r>
-              <a:rPr lang="en-US" dirty="0" smtClean="0"/>
-              <a:t>Problem – Give a natural number ‘n’, determine  if the number is prime or not.</a:t>
-            </a:r>
-          </a:p>
-          <a:p>
-            <a:r>
-              <a:rPr lang="en-US" dirty="0" smtClean="0"/>
-              <a:t>A prime number is a natural number greater than 1 is not a product of two smaller natural values.</a:t>
-            </a:r>
-          </a:p>
-          <a:p>
-            <a:endParaRPr lang="en-US" dirty="0"/>
-          </a:p>
-          <a:p>
-            <a:r>
-              <a:rPr lang="en-US" dirty="0" err="1" smtClean="0"/>
-              <a:t>isPrime</a:t>
-            </a:r>
-            <a:r>
-              <a:rPr lang="en-US" dirty="0" smtClean="0"/>
-              <a:t>(5) = true(1*5 or 5*1)</a:t>
-            </a:r>
-          </a:p>
-          <a:p>
-            <a:r>
-              <a:rPr lang="en-US" dirty="0" err="1" smtClean="0"/>
-              <a:t>IsPrime</a:t>
-            </a:r>
-            <a:r>
-              <a:rPr lang="en-US" dirty="0" smtClean="0"/>
-              <a:t>(4) = false(1*4 or 2*2 or 4*1)</a:t>
-            </a:r>
-            <a:endParaRPr lang="en-US" dirty="0"/>
-          </a:p>
-        </p:txBody>
-      </p:sp>
-    </p:spTree>
-    <p:extLst>
-      <p:ext uri="{BB962C8B-B14F-4D97-AF65-F5344CB8AC3E}">
-        <p14:creationId xmlns:p14="http://schemas.microsoft.com/office/powerpoint/2010/main" val="728318340"/>
-      </p:ext>
-    </p:extLst>
-  </p:cSld>
-  <p:clrMapOvr>
-    <a:masterClrMapping/>
-  </p:clrMapOvr>
-</p:sld>
-</file>
-
-<file path=ppt/slides/slide23.xml><?xml version="1.0" encoding="utf-8"?>
-<p:sld xmlns:a="http://schemas.openxmlformats.org/drawingml/2006/main" xmlns:r="http://schemas.openxmlformats.org/officeDocument/2006/relationships" xmlns:p="http://schemas.openxmlformats.org/presentationml/2006/main">
-  <p:cSld>
-    <p:spTree>
-      <p:nvGrpSpPr>
-        <p:cNvPr id="1" name=""/>
-        <p:cNvGrpSpPr/>
-        <p:nvPr/>
-      </p:nvGrpSpPr>
-      <p:grpSpPr>
-        <a:xfrm>
-          <a:off x="0" y="0"/>
-          <a:ext cx="0" cy="0"/>
-          <a:chOff x="0" y="0"/>
-          <a:chExt cx="0" cy="0"/>
-        </a:xfrm>
-      </p:grpSpPr>
-      <p:sp>
-        <p:nvSpPr>
-          <p:cNvPr id="2" name="Title 1"/>
-          <p:cNvSpPr>
-            <a:spLocks noGrp="1"/>
-          </p:cNvSpPr>
-          <p:nvPr>
-            <p:ph type="title"/>
-          </p:nvPr>
-        </p:nvSpPr>
-        <p:spPr/>
-        <p:txBody>
-          <a:bodyPr/>
-          <a:lstStyle/>
-          <a:p>
-            <a:r>
-              <a:rPr lang="en-US" dirty="0" smtClean="0"/>
-              <a:t>Optimized Primality Test</a:t>
-            </a:r>
-            <a:endParaRPr lang="en-US" dirty="0"/>
-          </a:p>
-        </p:txBody>
-      </p:sp>
-      <p:sp>
-        <p:nvSpPr>
-          <p:cNvPr id="3" name="Content Placeholder 2"/>
-          <p:cNvSpPr>
-            <a:spLocks noGrp="1"/>
-          </p:cNvSpPr>
-          <p:nvPr>
-            <p:ph idx="1"/>
-          </p:nvPr>
-        </p:nvSpPr>
-        <p:spPr/>
-        <p:txBody>
-          <a:bodyPr>
-            <a:normAutofit lnSpcReduction="10000"/>
-          </a:bodyPr>
-          <a:lstStyle/>
-          <a:p>
-            <a:r>
-              <a:rPr lang="en-US" dirty="0" smtClean="0"/>
-              <a:t>Integers larger than the square root do not need to be checked because whenever ‘n=a*b’, one of the two factors ‘a’ and ‘b’ less than or equal to the square root of ‘n’.</a:t>
-            </a:r>
-          </a:p>
-          <a:p>
-            <a:r>
-              <a:rPr lang="en-US" dirty="0" smtClean="0"/>
-              <a:t>N=24, a=4 and b=6</a:t>
-            </a:r>
-          </a:p>
-          <a:p>
-            <a:r>
-              <a:rPr lang="en-US" dirty="0" smtClean="0"/>
-              <a:t>The square root of 24 is 4.89</a:t>
-            </a:r>
-          </a:p>
-          <a:p>
-            <a:r>
-              <a:rPr lang="en-US" dirty="0" smtClean="0"/>
-              <a:t>4 is less than 4.89</a:t>
-            </a:r>
-          </a:p>
-          <a:p>
-            <a:r>
-              <a:rPr lang="en-US" dirty="0" smtClean="0"/>
-              <a:t>A is less than the square root  of n </a:t>
-            </a:r>
-          </a:p>
-          <a:p>
-            <a:r>
-              <a:rPr lang="en-US" dirty="0" smtClean="0"/>
-              <a:t>N = 35, a= 5 and b= 7</a:t>
-            </a:r>
-          </a:p>
-          <a:p>
-            <a:r>
-              <a:rPr lang="en-US" dirty="0" smtClean="0"/>
-              <a:t>The square root of 35 is 5.91</a:t>
-            </a:r>
-          </a:p>
-          <a:p>
-            <a:r>
-              <a:rPr lang="en-US" dirty="0" smtClean="0"/>
-              <a:t>5 is less than 5.91</a:t>
-            </a:r>
-          </a:p>
-          <a:p>
-            <a:r>
-              <a:rPr lang="en-US" dirty="0" smtClean="0"/>
-              <a:t>A is less the square root of the n</a:t>
-            </a:r>
-            <a:endParaRPr lang="en-US" dirty="0"/>
-          </a:p>
-        </p:txBody>
-      </p:sp>
-    </p:spTree>
-    <p:extLst>
-      <p:ext uri="{BB962C8B-B14F-4D97-AF65-F5344CB8AC3E}">
-        <p14:creationId xmlns:p14="http://schemas.microsoft.com/office/powerpoint/2010/main" val="3008460640"/>
-      </p:ext>
-    </p:extLst>
-  </p:cSld>
-  <p:clrMapOvr>
-    <a:masterClrMapping/>
-  </p:clrMapOvr>
-</p:sld>
-</file>
-
-<file path=ppt/slides/slide24.xml><?xml version="1.0" encoding="utf-8"?>
-<p:sld xmlns:a="http://schemas.openxmlformats.org/drawingml/2006/main" xmlns:r="http://schemas.openxmlformats.org/officeDocument/2006/relationships" xmlns:p="http://schemas.openxmlformats.org/presentationml/2006/main">
-  <p:cSld>
-    <p:spTree>
-      <p:nvGrpSpPr>
-        <p:cNvPr id="1" name=""/>
-        <p:cNvGrpSpPr/>
-        <p:nvPr/>
-      </p:nvGrpSpPr>
-      <p:grpSpPr>
-        <a:xfrm>
-          <a:off x="0" y="0"/>
-          <a:ext cx="0" cy="0"/>
-          <a:chOff x="0" y="0"/>
-          <a:chExt cx="0" cy="0"/>
-        </a:xfrm>
-      </p:grpSpPr>
-      <p:sp>
-        <p:nvSpPr>
-          <p:cNvPr id="2" name="Title 1"/>
-          <p:cNvSpPr>
-            <a:spLocks noGrp="1"/>
-          </p:cNvSpPr>
-          <p:nvPr>
-            <p:ph type="title"/>
-          </p:nvPr>
-        </p:nvSpPr>
-        <p:spPr/>
-        <p:txBody>
-          <a:bodyPr/>
-          <a:lstStyle/>
-          <a:p>
-            <a:r>
-              <a:rPr lang="en-US" dirty="0" smtClean="0"/>
-              <a:t>Power of Two</a:t>
-            </a:r>
-            <a:endParaRPr lang="en-US" dirty="0"/>
-          </a:p>
-        </p:txBody>
-      </p:sp>
-      <p:sp>
-        <p:nvSpPr>
-          <p:cNvPr id="3" name="Content Placeholder 2"/>
-          <p:cNvSpPr>
-            <a:spLocks noGrp="1"/>
-          </p:cNvSpPr>
-          <p:nvPr>
-            <p:ph idx="1"/>
-          </p:nvPr>
-        </p:nvSpPr>
-        <p:spPr>
-          <a:xfrm>
-            <a:off x="677334" y="2160589"/>
-            <a:ext cx="4727786" cy="3880773"/>
-          </a:xfrm>
-        </p:spPr>
-        <p:txBody>
-          <a:bodyPr/>
-          <a:lstStyle/>
-          <a:p>
-            <a:r>
-              <a:rPr lang="en-US" dirty="0" smtClean="0"/>
-              <a:t>Problem – given a positive integer ‘n’ determine if the number is a power of 2 or not.</a:t>
-            </a:r>
-          </a:p>
-          <a:p>
-            <a:r>
-              <a:rPr lang="en-US" dirty="0" smtClean="0"/>
-              <a:t>An integer is a power of two if there exists an integer ‘x’ such that ‘n’ === 2X</a:t>
-            </a:r>
-          </a:p>
-          <a:p>
-            <a:r>
-              <a:rPr lang="en-US" dirty="0" err="1" smtClean="0"/>
-              <a:t>isPowerOfTwo</a:t>
-            </a:r>
-            <a:r>
-              <a:rPr lang="en-US" dirty="0" smtClean="0"/>
-              <a:t>(1) = true(2</a:t>
-            </a:r>
-            <a:r>
-              <a:rPr lang="en-US" dirty="0">
-                <a:latin typeface="Lucida Sans Unicode" panose="020B0602030504020204" pitchFamily="34" charset="0"/>
-                <a:cs typeface="Lucida Sans Unicode" panose="020B0602030504020204" pitchFamily="34" charset="0"/>
-              </a:rPr>
-              <a:t>º</a:t>
-            </a:r>
-            <a:r>
-              <a:rPr lang="en-US" dirty="0" smtClean="0"/>
-              <a:t>)</a:t>
-            </a:r>
-          </a:p>
-          <a:p>
-            <a:r>
-              <a:rPr lang="en-US" dirty="0" err="1" smtClean="0"/>
-              <a:t>isPowerOfTwo</a:t>
-            </a:r>
-            <a:r>
-              <a:rPr lang="en-US" dirty="0" smtClean="0"/>
-              <a:t>(2) </a:t>
-            </a:r>
-            <a:r>
-              <a:rPr lang="en-US" dirty="0"/>
-              <a:t>= </a:t>
-            </a:r>
-            <a:r>
-              <a:rPr lang="en-US" dirty="0" smtClean="0"/>
-              <a:t>true(2</a:t>
-            </a:r>
-            <a:r>
-              <a:rPr lang="en-US" dirty="0">
-                <a:latin typeface="Lucida Sans Unicode" panose="020B0602030504020204" pitchFamily="34" charset="0"/>
-                <a:cs typeface="Lucida Sans Unicode" panose="020B0602030504020204" pitchFamily="34" charset="0"/>
-              </a:rPr>
-              <a:t>¹</a:t>
-            </a:r>
-            <a:r>
-              <a:rPr lang="en-US" dirty="0" smtClean="0"/>
-              <a:t>)</a:t>
-            </a:r>
-          </a:p>
-          <a:p>
-            <a:r>
-              <a:rPr lang="en-US" dirty="0" err="1" smtClean="0"/>
-              <a:t>isPowerOfTwo</a:t>
-            </a:r>
-            <a:r>
-              <a:rPr lang="en-US" dirty="0" smtClean="0"/>
-              <a:t>(5) </a:t>
-            </a:r>
-            <a:r>
-              <a:rPr lang="en-US" dirty="0"/>
-              <a:t>= </a:t>
-            </a:r>
-            <a:r>
-              <a:rPr lang="en-US" dirty="0" smtClean="0"/>
-              <a:t>false</a:t>
-            </a:r>
-            <a:endParaRPr lang="en-US" dirty="0"/>
-          </a:p>
-          <a:p>
-            <a:endParaRPr lang="en-US" dirty="0"/>
-          </a:p>
-        </p:txBody>
-      </p:sp>
-      <p:sp>
-        <p:nvSpPr>
-          <p:cNvPr id="4" name="Content Placeholder 2"/>
-          <p:cNvSpPr txBox="1">
-            <a:spLocks/>
-          </p:cNvSpPr>
-          <p:nvPr/>
-        </p:nvSpPr>
-        <p:spPr>
-          <a:xfrm>
-            <a:off x="5564294" y="2160588"/>
-            <a:ext cx="4727786" cy="3880773"/>
-          </a:xfrm>
-          <a:prstGeom prst="rect">
-            <a:avLst/>
-          </a:prstGeom>
-        </p:spPr>
-        <p:txBody>
-          <a:bodyPr vert="horz" lIns="91440" tIns="45720" rIns="91440" bIns="45720" rtlCol="0">
-            <a:normAutofit/>
-          </a:bodyPr>
-          <a:lstStyle>
-            <a:lvl1pPr marL="342900" indent="-342900" algn="l" defTabSz="457200" rtl="0" eaLnBrk="1" latinLnBrk="0" hangingPunct="1">
-              <a:spcBef>
-                <a:spcPts val="1000"/>
-              </a:spcBef>
-              <a:spcAft>
-                <a:spcPts val="0"/>
-              </a:spcAft>
-              <a:buClr>
-                <a:schemeClr val="accent1"/>
-              </a:buClr>
-              <a:buSzPct val="80000"/>
-              <a:buFont typeface="Wingdings 3" charset="2"/>
-              <a:buChar char=""/>
-              <a:defRPr sz="1800" kern="1200">
-                <a:solidFill>
-                  <a:schemeClr val="tx1">
-                    <a:lumMod val="75000"/>
-                    <a:lumOff val="25000"/>
-                  </a:schemeClr>
-                </a:solidFill>
-                <a:latin typeface="+mn-lt"/>
-                <a:ea typeface="+mn-ea"/>
-                <a:cs typeface="+mn-cs"/>
-              </a:defRPr>
-            </a:lvl1pPr>
-            <a:lvl2pPr marL="742950" indent="-285750" algn="l" defTabSz="457200" rtl="0" eaLnBrk="1" latinLnBrk="0" hangingPunct="1">
-              <a:spcBef>
-                <a:spcPts val="1000"/>
-              </a:spcBef>
-              <a:spcAft>
-                <a:spcPts val="0"/>
-              </a:spcAft>
-              <a:buClr>
-                <a:schemeClr val="accent1"/>
-              </a:buClr>
-              <a:buSzPct val="80000"/>
-              <a:buFont typeface="Wingdings 3" charset="2"/>
-              <a:buChar char=""/>
-              <a:defRPr sz="1600" kern="1200">
-                <a:solidFill>
-                  <a:schemeClr val="tx1">
-                    <a:lumMod val="75000"/>
-                    <a:lumOff val="25000"/>
-                  </a:schemeClr>
-                </a:solidFill>
-                <a:latin typeface="+mn-lt"/>
-                <a:ea typeface="+mn-ea"/>
-                <a:cs typeface="+mn-cs"/>
-              </a:defRPr>
-            </a:lvl2pPr>
-            <a:lvl3pPr marL="1143000" indent="-228600" algn="l" defTabSz="457200" rtl="0" eaLnBrk="1" latinLnBrk="0" hangingPunct="1">
-              <a:spcBef>
-                <a:spcPts val="1000"/>
-              </a:spcBef>
-              <a:spcAft>
-                <a:spcPts val="0"/>
-              </a:spcAft>
-              <a:buClr>
-                <a:schemeClr val="accent1"/>
-              </a:buClr>
-              <a:buSzPct val="80000"/>
-              <a:buFont typeface="Wingdings 3" charset="2"/>
-              <a:buChar char=""/>
-              <a:defRPr sz="1400" kern="1200">
-                <a:solidFill>
-                  <a:schemeClr val="tx1">
-                    <a:lumMod val="75000"/>
-                    <a:lumOff val="25000"/>
-                  </a:schemeClr>
-                </a:solidFill>
-                <a:latin typeface="+mn-lt"/>
-                <a:ea typeface="+mn-ea"/>
-                <a:cs typeface="+mn-cs"/>
-              </a:defRPr>
-            </a:lvl3pPr>
-            <a:lvl4pPr marL="1600200" indent="-228600" algn="l" defTabSz="457200" rtl="0" eaLnBrk="1" latinLnBrk="0" hangingPunct="1">
-              <a:spcBef>
-                <a:spcPts val="1000"/>
-              </a:spcBef>
-              <a:spcAft>
-                <a:spcPts val="0"/>
-              </a:spcAft>
-              <a:buClr>
-                <a:schemeClr val="accent1"/>
-              </a:buClr>
-              <a:buSzPct val="80000"/>
-              <a:buFont typeface="Wingdings 3" charset="2"/>
-              <a:buChar char=""/>
-              <a:defRPr sz="1200" kern="1200">
-                <a:solidFill>
-                  <a:schemeClr val="tx1">
-                    <a:lumMod val="75000"/>
-                    <a:lumOff val="25000"/>
-                  </a:schemeClr>
-                </a:solidFill>
-                <a:latin typeface="+mn-lt"/>
-                <a:ea typeface="+mn-ea"/>
-                <a:cs typeface="+mn-cs"/>
-              </a:defRPr>
-            </a:lvl4pPr>
-            <a:lvl5pPr marL="2057400" indent="-228600" algn="l" defTabSz="457200" rtl="0" eaLnBrk="1" latinLnBrk="0" hangingPunct="1">
-              <a:spcBef>
-                <a:spcPts val="1000"/>
-              </a:spcBef>
-              <a:spcAft>
-                <a:spcPts val="0"/>
-              </a:spcAft>
-              <a:buClr>
-                <a:schemeClr val="accent1"/>
-              </a:buClr>
-              <a:buSzPct val="80000"/>
-              <a:buFont typeface="Wingdings 3" charset="2"/>
-              <a:buChar char=""/>
-              <a:defRPr sz="1200" kern="1200">
-                <a:solidFill>
-                  <a:schemeClr val="tx1">
-                    <a:lumMod val="75000"/>
-                    <a:lumOff val="25000"/>
-                  </a:schemeClr>
-                </a:solidFill>
-                <a:latin typeface="+mn-lt"/>
-                <a:ea typeface="+mn-ea"/>
-                <a:cs typeface="+mn-cs"/>
-              </a:defRPr>
-            </a:lvl5pPr>
-            <a:lvl6pPr marL="2514600" indent="-228600" algn="l" defTabSz="457200" rtl="0" eaLnBrk="1" latinLnBrk="0" hangingPunct="1">
-              <a:spcBef>
-                <a:spcPts val="1000"/>
-              </a:spcBef>
-              <a:spcAft>
-                <a:spcPts val="0"/>
-              </a:spcAft>
-              <a:buClr>
-                <a:schemeClr val="accent1"/>
-              </a:buClr>
-              <a:buSzPct val="80000"/>
-              <a:buFont typeface="Wingdings 3" charset="2"/>
-              <a:buChar char=""/>
-              <a:defRPr sz="1200" kern="1200">
-                <a:solidFill>
-                  <a:schemeClr val="tx1">
-                    <a:lumMod val="75000"/>
-                    <a:lumOff val="25000"/>
-                  </a:schemeClr>
-                </a:solidFill>
-                <a:latin typeface="+mn-lt"/>
-                <a:ea typeface="+mn-ea"/>
-                <a:cs typeface="+mn-cs"/>
-              </a:defRPr>
-            </a:lvl6pPr>
-            <a:lvl7pPr marL="2971800" indent="-228600" algn="l" defTabSz="457200" rtl="0" eaLnBrk="1" latinLnBrk="0" hangingPunct="1">
-              <a:spcBef>
-                <a:spcPts val="1000"/>
-              </a:spcBef>
-              <a:spcAft>
-                <a:spcPts val="0"/>
-              </a:spcAft>
-              <a:buClr>
-                <a:schemeClr val="accent1"/>
-              </a:buClr>
-              <a:buSzPct val="80000"/>
-              <a:buFont typeface="Wingdings 3" charset="2"/>
-              <a:buChar char=""/>
-              <a:defRPr sz="1200" kern="1200">
-                <a:solidFill>
-                  <a:schemeClr val="tx1">
-                    <a:lumMod val="75000"/>
-                    <a:lumOff val="25000"/>
-                  </a:schemeClr>
-                </a:solidFill>
-                <a:latin typeface="+mn-lt"/>
-                <a:ea typeface="+mn-ea"/>
-                <a:cs typeface="+mn-cs"/>
-              </a:defRPr>
-            </a:lvl7pPr>
-            <a:lvl8pPr marL="3429000" indent="-228600" algn="l" defTabSz="457200" rtl="0" eaLnBrk="1" latinLnBrk="0" hangingPunct="1">
-              <a:spcBef>
-                <a:spcPts val="1000"/>
-              </a:spcBef>
-              <a:spcAft>
-                <a:spcPts val="0"/>
-              </a:spcAft>
-              <a:buClr>
-                <a:schemeClr val="accent1"/>
-              </a:buClr>
-              <a:buSzPct val="80000"/>
-              <a:buFont typeface="Wingdings 3" charset="2"/>
-              <a:buChar char=""/>
-              <a:defRPr sz="1200" kern="1200">
-                <a:solidFill>
-                  <a:schemeClr val="tx1">
-                    <a:lumMod val="75000"/>
-                    <a:lumOff val="25000"/>
-                  </a:schemeClr>
-                </a:solidFill>
-                <a:latin typeface="+mn-lt"/>
-                <a:ea typeface="+mn-ea"/>
-                <a:cs typeface="+mn-cs"/>
-              </a:defRPr>
-            </a:lvl8pPr>
-            <a:lvl9pPr marL="3886200" indent="-228600" algn="l" defTabSz="457200" rtl="0" eaLnBrk="1" latinLnBrk="0" hangingPunct="1">
-              <a:spcBef>
-                <a:spcPts val="1000"/>
-              </a:spcBef>
-              <a:spcAft>
-                <a:spcPts val="0"/>
-              </a:spcAft>
-              <a:buClr>
-                <a:schemeClr val="accent1"/>
-              </a:buClr>
-              <a:buSzPct val="80000"/>
-              <a:buFont typeface="Wingdings 3" charset="2"/>
-              <a:buChar char=""/>
-              <a:defRPr sz="1200" kern="1200">
-                <a:solidFill>
-                  <a:schemeClr val="tx1">
-                    <a:lumMod val="75000"/>
-                    <a:lumOff val="25000"/>
-                  </a:schemeClr>
-                </a:solidFill>
-                <a:latin typeface="+mn-lt"/>
-                <a:ea typeface="+mn-ea"/>
-                <a:cs typeface="+mn-cs"/>
-              </a:defRPr>
-            </a:lvl9pPr>
-          </a:lstStyle>
-          <a:p>
-            <a:r>
-              <a:rPr lang="en-US" dirty="0" smtClean="0"/>
-              <a:t>Pseudocode</a:t>
-            </a:r>
-          </a:p>
-          <a:p>
-            <a:r>
-              <a:rPr lang="en-US" dirty="0" smtClean="0"/>
-              <a:t>n =8 </a:t>
-            </a:r>
-          </a:p>
-          <a:p>
-            <a:r>
-              <a:rPr lang="en-US" dirty="0" smtClean="0"/>
-              <a:t>8/2 = 4(remainder 0)</a:t>
-            </a:r>
-          </a:p>
-          <a:p>
-            <a:r>
-              <a:rPr lang="en-US" dirty="0" smtClean="0"/>
-              <a:t>4/2 = 2(remainder 0)</a:t>
-            </a:r>
-          </a:p>
-          <a:p>
-            <a:r>
-              <a:rPr lang="en-US" dirty="0" smtClean="0"/>
-              <a:t>2/2 =1(remainder0)</a:t>
-            </a:r>
-          </a:p>
-          <a:p>
-            <a:r>
-              <a:rPr lang="en-US" dirty="0" smtClean="0"/>
-              <a:t>If remainder is not 0 in any step, ‘n’ is not a power of two</a:t>
-            </a:r>
-          </a:p>
-          <a:p>
-            <a:r>
-              <a:rPr lang="en-US" dirty="0" smtClean="0"/>
-              <a:t>If remainder is 0 and ‘n’ comes down to 1 eventually, n is a power of two.</a:t>
-            </a:r>
-            <a:endParaRPr lang="en-US" dirty="0"/>
-          </a:p>
-        </p:txBody>
-      </p:sp>
-    </p:spTree>
-    <p:extLst>
-      <p:ext uri="{BB962C8B-B14F-4D97-AF65-F5344CB8AC3E}">
-        <p14:creationId xmlns:p14="http://schemas.microsoft.com/office/powerpoint/2010/main" val="2578201250"/>
-      </p:ext>
-    </p:extLst>
-  </p:cSld>
-  <p:clrMapOvr>
-    <a:masterClrMapping/>
-  </p:clrMapOvr>
-</p:sld>
-</file>
-
-<file path=ppt/slides/slide25.xml><?xml version="1.0" encoding="utf-8"?>
-<p:sld xmlns:a="http://schemas.openxmlformats.org/drawingml/2006/main" xmlns:r="http://schemas.openxmlformats.org/officeDocument/2006/relationships" xmlns:p="http://schemas.openxmlformats.org/presentationml/2006/main">
-  <p:cSld>
-    <p:spTree>
-      <p:nvGrpSpPr>
-        <p:cNvPr id="1" name=""/>
-        <p:cNvGrpSpPr/>
-        <p:nvPr/>
-      </p:nvGrpSpPr>
-      <p:grpSpPr>
-        <a:xfrm>
-          <a:off x="0" y="0"/>
-          <a:ext cx="0" cy="0"/>
-          <a:chOff x="0" y="0"/>
-          <a:chExt cx="0" cy="0"/>
-        </a:xfrm>
-      </p:grpSpPr>
-      <p:sp>
-        <p:nvSpPr>
-          <p:cNvPr id="2" name="Title 1"/>
-          <p:cNvSpPr>
-            <a:spLocks noGrp="1"/>
-          </p:cNvSpPr>
-          <p:nvPr>
-            <p:ph type="title"/>
-          </p:nvPr>
-        </p:nvSpPr>
-        <p:spPr/>
-        <p:txBody>
-          <a:bodyPr/>
-          <a:lstStyle/>
-          <a:p>
-            <a:r>
-              <a:rPr lang="en-US" dirty="0" smtClean="0"/>
-              <a:t>Bitwise Power of two</a:t>
-            </a:r>
-            <a:endParaRPr lang="en-US" dirty="0"/>
-          </a:p>
-        </p:txBody>
-      </p:sp>
-      <p:sp>
-        <p:nvSpPr>
-          <p:cNvPr id="3" name="Content Placeholder 2"/>
-          <p:cNvSpPr>
-            <a:spLocks noGrp="1"/>
-          </p:cNvSpPr>
-          <p:nvPr>
-            <p:ph idx="1"/>
-          </p:nvPr>
-        </p:nvSpPr>
-        <p:spPr/>
-        <p:txBody>
-          <a:bodyPr/>
-          <a:lstStyle/>
-          <a:p>
-            <a:r>
-              <a:rPr lang="en-US" dirty="0" smtClean="0"/>
-              <a:t>1 -&gt; 1</a:t>
-            </a:r>
-          </a:p>
-          <a:p>
-            <a:r>
-              <a:rPr lang="en-US" dirty="0" smtClean="0"/>
-              <a:t>2-&gt; 100</a:t>
-            </a:r>
-          </a:p>
-          <a:p>
-            <a:r>
-              <a:rPr lang="en-US" dirty="0" smtClean="0"/>
-              <a:t>3-&gt; 100</a:t>
-            </a:r>
-          </a:p>
-          <a:p>
-            <a:r>
-              <a:rPr lang="en-US" dirty="0" smtClean="0"/>
-              <a:t>4 -&gt; 1000</a:t>
-            </a:r>
-          </a:p>
-          <a:p>
-            <a:r>
-              <a:rPr lang="en-US" dirty="0" smtClean="0"/>
-              <a:t>(in binary)</a:t>
-            </a:r>
-          </a:p>
-          <a:p>
-            <a:r>
-              <a:rPr lang="en-US" dirty="0" smtClean="0"/>
-              <a:t>If we try bitwise &amp; operator with the previous number, we always end up with a 0.bitwise &amp; is one if both numbers are 1 else it is 0. we can see got all powers of two and one bitwise operation with the previous number will return 0</a:t>
-            </a:r>
-          </a:p>
-          <a:p>
-            <a:endParaRPr lang="en-US" dirty="0"/>
-          </a:p>
-        </p:txBody>
-      </p:sp>
-    </p:spTree>
-    <p:extLst>
-      <p:ext uri="{BB962C8B-B14F-4D97-AF65-F5344CB8AC3E}">
-        <p14:creationId xmlns:p14="http://schemas.microsoft.com/office/powerpoint/2010/main" val="2897027052"/>
-      </p:ext>
-    </p:extLst>
-  </p:cSld>
-  <p:clrMapOvr>
-    <a:masterClrMapping/>
-  </p:clrMapOvr>
-</p:sld>
-</file>
-
-<file path=ppt/slides/slide26.xml><?xml version="1.0" encoding="utf-8"?>
-<p:sld xmlns:a="http://schemas.openxmlformats.org/drawingml/2006/main" xmlns:r="http://schemas.openxmlformats.org/officeDocument/2006/relationships" xmlns:p="http://schemas.openxmlformats.org/presentationml/2006/main">
-  <p:cSld>
-    <p:spTree>
-      <p:nvGrpSpPr>
-        <p:cNvPr id="1" name=""/>
-        <p:cNvGrpSpPr/>
-        <p:nvPr/>
-      </p:nvGrpSpPr>
-      <p:grpSpPr>
-        <a:xfrm>
-          <a:off x="0" y="0"/>
-          <a:ext cx="0" cy="0"/>
-          <a:chOff x="0" y="0"/>
-          <a:chExt cx="0" cy="0"/>
-        </a:xfrm>
-      </p:grpSpPr>
-      <p:sp>
-        <p:nvSpPr>
-          <p:cNvPr id="2" name="Title 1"/>
-          <p:cNvSpPr>
-            <a:spLocks noGrp="1"/>
-          </p:cNvSpPr>
-          <p:nvPr>
-            <p:ph type="title"/>
-          </p:nvPr>
-        </p:nvSpPr>
-        <p:spPr/>
-        <p:txBody>
-          <a:bodyPr/>
-          <a:lstStyle/>
-          <a:p>
-            <a:r>
-              <a:rPr lang="en-US" dirty="0" smtClean="0"/>
-              <a:t>Recursion</a:t>
-            </a:r>
-            <a:endParaRPr lang="en-US" dirty="0"/>
-          </a:p>
-        </p:txBody>
-      </p:sp>
-      <p:sp>
-        <p:nvSpPr>
-          <p:cNvPr id="3" name="Content Placeholder 2"/>
-          <p:cNvSpPr>
-            <a:spLocks noGrp="1"/>
-          </p:cNvSpPr>
-          <p:nvPr>
-            <p:ph idx="1"/>
-          </p:nvPr>
-        </p:nvSpPr>
-        <p:spPr/>
-        <p:txBody>
-          <a:bodyPr/>
-          <a:lstStyle/>
-          <a:p>
-            <a:r>
-              <a:rPr lang="en-US" dirty="0" smtClean="0"/>
-              <a:t>Recursion is a problem solving technique where the solution depends on solutions to smaller instances of the same problems.</a:t>
-            </a:r>
-          </a:p>
-          <a:p>
-            <a:r>
-              <a:rPr lang="en-US" dirty="0" smtClean="0"/>
-              <a:t>Recursion is when a function calls itself.</a:t>
-            </a:r>
-          </a:p>
-          <a:p>
-            <a:r>
-              <a:rPr lang="en-US" dirty="0" smtClean="0"/>
-              <a:t>Recursion is a great technique to simplify a solution.</a:t>
-            </a:r>
-          </a:p>
-          <a:p>
-            <a:r>
-              <a:rPr lang="en-US" dirty="0" smtClean="0"/>
-              <a:t>If we found ourselves breaking down a problem into smaller versions of the same problem, recursion is very useful</a:t>
-            </a:r>
-            <a:endParaRPr lang="en-US" dirty="0"/>
-          </a:p>
-        </p:txBody>
-      </p:sp>
-    </p:spTree>
-    <p:extLst>
-      <p:ext uri="{BB962C8B-B14F-4D97-AF65-F5344CB8AC3E}">
-        <p14:creationId xmlns:p14="http://schemas.microsoft.com/office/powerpoint/2010/main" val="2062758241"/>
-      </p:ext>
-    </p:extLst>
-  </p:cSld>
-  <p:clrMapOvr>
-    <a:masterClrMapping/>
-  </p:clrMapOvr>
-</p:sld>
-</file>
-
-<file path=ppt/slides/slide27.xml><?xml version="1.0" encoding="utf-8"?>
-<p:sld xmlns:a="http://schemas.openxmlformats.org/drawingml/2006/main" xmlns:r="http://schemas.openxmlformats.org/officeDocument/2006/relationships" xmlns:p="http://schemas.openxmlformats.org/presentationml/2006/main">
-  <p:cSld>
-    <p:spTree>
-      <p:nvGrpSpPr>
-        <p:cNvPr id="1" name=""/>
-        <p:cNvGrpSpPr/>
-        <p:nvPr/>
-      </p:nvGrpSpPr>
-      <p:grpSpPr>
-        <a:xfrm>
-          <a:off x="0" y="0"/>
-          <a:ext cx="0" cy="0"/>
-          <a:chOff x="0" y="0"/>
-          <a:chExt cx="0" cy="0"/>
-        </a:xfrm>
-      </p:grpSpPr>
-      <p:sp>
-        <p:nvSpPr>
-          <p:cNvPr id="2" name="Title 1"/>
-          <p:cNvSpPr>
-            <a:spLocks noGrp="1"/>
-          </p:cNvSpPr>
-          <p:nvPr>
-            <p:ph type="title"/>
-          </p:nvPr>
-        </p:nvSpPr>
-        <p:spPr/>
-        <p:txBody>
-          <a:bodyPr/>
-          <a:lstStyle/>
-          <a:p>
-            <a:r>
-              <a:rPr lang="en-US" dirty="0" smtClean="0"/>
-              <a:t>Recursion</a:t>
-            </a:r>
-            <a:endParaRPr lang="en-US" dirty="0"/>
-          </a:p>
-        </p:txBody>
-      </p:sp>
-      <p:sp>
-        <p:nvSpPr>
-          <p:cNvPr id="3" name="Content Placeholder 2"/>
-          <p:cNvSpPr>
-            <a:spLocks noGrp="1"/>
-          </p:cNvSpPr>
-          <p:nvPr>
-            <p:ph idx="1"/>
-          </p:nvPr>
-        </p:nvSpPr>
-        <p:spPr/>
-        <p:txBody>
-          <a:bodyPr/>
-          <a:lstStyle/>
-          <a:p>
-            <a:r>
-              <a:rPr lang="en-US" dirty="0" smtClean="0"/>
-              <a:t>Every recursive solution needs to have a base case- a condition to terminate the recursion</a:t>
-            </a:r>
-          </a:p>
-          <a:p>
-            <a:r>
-              <a:rPr lang="en-US" dirty="0" smtClean="0"/>
-              <a:t>Recursion might simplify solving a problem but it does not always translate to a faster solution. A recursive solution may be far worse compared to an iterative solution.</a:t>
-            </a:r>
-          </a:p>
-          <a:p>
-            <a:r>
-              <a:rPr lang="en-US" dirty="0" smtClean="0"/>
-              <a:t>Recursion is a topic that is not most straight forward to understand</a:t>
-            </a:r>
-            <a:r>
-              <a:rPr lang="en-US" smtClean="0"/>
-              <a:t>. </a:t>
-            </a:r>
-            <a:endParaRPr lang="en-US" dirty="0"/>
-          </a:p>
-        </p:txBody>
-      </p:sp>
-    </p:spTree>
-    <p:extLst>
-      <p:ext uri="{BB962C8B-B14F-4D97-AF65-F5344CB8AC3E}">
-        <p14:creationId xmlns:p14="http://schemas.microsoft.com/office/powerpoint/2010/main" val="1040484708"/>
-      </p:ext>
-    </p:extLst>
-  </p:cSld>
-  <p:clrMapOvr>
-    <a:masterClrMapping/>
-  </p:clrMapOvr>
-</p:sld>
-</file>
-
-<file path=ppt/slides/slide28.xml><?xml version="1.0" encoding="utf-8"?>
-<p:sld xmlns:a="http://schemas.openxmlformats.org/drawingml/2006/main" xmlns:r="http://schemas.openxmlformats.org/officeDocument/2006/relationships" xmlns:p="http://schemas.openxmlformats.org/presentationml/2006/main">
-  <p:cSld>
-    <p:spTree>
-      <p:nvGrpSpPr>
-        <p:cNvPr id="1" name=""/>
-        <p:cNvGrpSpPr/>
-        <p:nvPr/>
-      </p:nvGrpSpPr>
-      <p:grpSpPr>
-        <a:xfrm>
-          <a:off x="0" y="0"/>
-          <a:ext cx="0" cy="0"/>
-          <a:chOff x="0" y="0"/>
-          <a:chExt cx="0" cy="0"/>
-        </a:xfrm>
-      </p:grpSpPr>
-      <p:sp>
-        <p:nvSpPr>
-          <p:cNvPr id="2" name="Title 1"/>
-          <p:cNvSpPr>
-            <a:spLocks noGrp="1"/>
-          </p:cNvSpPr>
-          <p:nvPr>
-            <p:ph type="title"/>
-          </p:nvPr>
-        </p:nvSpPr>
-        <p:spPr/>
-        <p:txBody>
-          <a:bodyPr/>
-          <a:lstStyle/>
-          <a:p>
-            <a:r>
-              <a:rPr lang="en-US" dirty="0" smtClean="0"/>
-              <a:t>Recursive Fibonacci sequence</a:t>
-            </a:r>
-            <a:endParaRPr lang="en-US" dirty="0"/>
-          </a:p>
-        </p:txBody>
-      </p:sp>
-      <p:sp>
-        <p:nvSpPr>
-          <p:cNvPr id="3" name="Content Placeholder 2"/>
-          <p:cNvSpPr>
-            <a:spLocks noGrp="1"/>
-          </p:cNvSpPr>
-          <p:nvPr>
-            <p:ph idx="1"/>
-          </p:nvPr>
-        </p:nvSpPr>
-        <p:spPr/>
-        <p:txBody>
-          <a:bodyPr/>
-          <a:lstStyle/>
-          <a:p>
-            <a:r>
-              <a:rPr lang="en-US" dirty="0"/>
-              <a:t>Problem – Give a number ‘n’, find the first ‘n’ elements of the Fibonacci sequence.</a:t>
-            </a:r>
-          </a:p>
-          <a:p>
-            <a:r>
-              <a:rPr lang="en-US" dirty="0"/>
-              <a:t>In mathematics , the Fibonacci sequence is a sequence in which each number is the sum of the two preceding ones.</a:t>
-            </a:r>
-          </a:p>
-          <a:p>
-            <a:r>
-              <a:rPr lang="en-US" dirty="0"/>
-              <a:t>The first two numbers in the sequence are 0, </a:t>
-            </a:r>
-            <a:r>
-              <a:rPr lang="en-US" dirty="0" smtClean="0"/>
-              <a:t>1(0,1,1,2, 3, 5, 8)</a:t>
-            </a:r>
-            <a:endParaRPr lang="en-US" dirty="0"/>
-          </a:p>
-          <a:p>
-            <a:r>
-              <a:rPr lang="en-US" dirty="0" smtClean="0"/>
-              <a:t>Recursive Fibonacci </a:t>
-            </a:r>
-            <a:r>
-              <a:rPr lang="en-US" dirty="0"/>
-              <a:t>of </a:t>
-            </a:r>
-            <a:r>
-              <a:rPr lang="en-US" dirty="0" smtClean="0"/>
-              <a:t>(0) </a:t>
-            </a:r>
-            <a:r>
-              <a:rPr lang="en-US" dirty="0"/>
-              <a:t>= </a:t>
-            </a:r>
-            <a:r>
-              <a:rPr lang="en-US" dirty="0" smtClean="0"/>
-              <a:t>0</a:t>
-            </a:r>
-          </a:p>
-          <a:p>
-            <a:r>
-              <a:rPr lang="en-US" dirty="0"/>
-              <a:t>Recursive Fibonacci of </a:t>
-            </a:r>
-            <a:r>
-              <a:rPr lang="en-US" dirty="0" smtClean="0"/>
-              <a:t>(1) </a:t>
-            </a:r>
-            <a:r>
-              <a:rPr lang="en-US" dirty="0"/>
-              <a:t>= 1</a:t>
-            </a:r>
-            <a:endParaRPr lang="en-US" dirty="0" smtClean="0"/>
-          </a:p>
-          <a:p>
-            <a:r>
-              <a:rPr lang="en-US" dirty="0"/>
-              <a:t>Recursive Fibonacci of </a:t>
-            </a:r>
-            <a:r>
-              <a:rPr lang="en-US" dirty="0" smtClean="0"/>
-              <a:t>(6) </a:t>
-            </a:r>
-            <a:r>
-              <a:rPr lang="en-US" dirty="0"/>
-              <a:t>= </a:t>
-            </a:r>
-            <a:r>
-              <a:rPr lang="en-US" dirty="0" smtClean="0"/>
-              <a:t>8</a:t>
-            </a:r>
-            <a:endParaRPr lang="en-US" dirty="0"/>
-          </a:p>
-          <a:p>
-            <a:endParaRPr lang="en-US" dirty="0" smtClean="0"/>
-          </a:p>
-          <a:p>
-            <a:endParaRPr lang="en-US" dirty="0"/>
-          </a:p>
-          <a:p>
-            <a:endParaRPr lang="en-US" dirty="0"/>
-          </a:p>
-        </p:txBody>
-      </p:sp>
-    </p:spTree>
-    <p:extLst>
-      <p:ext uri="{BB962C8B-B14F-4D97-AF65-F5344CB8AC3E}">
-        <p14:creationId xmlns:p14="http://schemas.microsoft.com/office/powerpoint/2010/main" val="94124446"/>
-      </p:ext>
-    </p:extLst>
-  </p:cSld>
-  <p:clrMapOvr>
-    <a:masterClrMapping/>
-  </p:clrMapOvr>
-</p:sld>
-</file>
-
-<file path=ppt/slides/slide29.xml><?xml version="1.0" encoding="utf-8"?>
-<p:sld xmlns:a="http://schemas.openxmlformats.org/drawingml/2006/main" xmlns:r="http://schemas.openxmlformats.org/officeDocument/2006/relationships" xmlns:p="http://schemas.openxmlformats.org/presentationml/2006/main">
-  <p:cSld>
-    <p:spTree>
-      <p:nvGrpSpPr>
-        <p:cNvPr id="1" name=""/>
-        <p:cNvGrpSpPr/>
-        <p:nvPr/>
-      </p:nvGrpSpPr>
-      <p:grpSpPr>
-        <a:xfrm>
-          <a:off x="0" y="0"/>
-          <a:ext cx="0" cy="0"/>
-          <a:chOff x="0" y="0"/>
-          <a:chExt cx="0" cy="0"/>
-        </a:xfrm>
-      </p:grpSpPr>
-      <p:sp>
-        <p:nvSpPr>
-          <p:cNvPr id="2" name="Title 1"/>
-          <p:cNvSpPr>
-            <a:spLocks noGrp="1"/>
-          </p:cNvSpPr>
-          <p:nvPr>
-            <p:ph type="title"/>
-          </p:nvPr>
-        </p:nvSpPr>
-        <p:spPr/>
-        <p:txBody>
-          <a:bodyPr/>
-          <a:lstStyle/>
-          <a:p>
-            <a:r>
-              <a:rPr lang="en-US" dirty="0" smtClean="0"/>
-              <a:t>Notes for recursive </a:t>
-            </a:r>
-            <a:r>
-              <a:rPr lang="en-US" dirty="0" err="1" smtClean="0"/>
-              <a:t>soluntions</a:t>
-            </a:r>
-            <a:r>
-              <a:rPr lang="en-US" dirty="0" smtClean="0"/>
-              <a:t> </a:t>
-            </a:r>
-            <a:br>
-              <a:rPr lang="en-US" dirty="0" smtClean="0"/>
-            </a:br>
-            <a:endParaRPr lang="en-US" dirty="0"/>
-          </a:p>
-        </p:txBody>
-      </p:sp>
-      <p:sp>
-        <p:nvSpPr>
-          <p:cNvPr id="3" name="Content Placeholder 2"/>
-          <p:cNvSpPr>
-            <a:spLocks noGrp="1"/>
-          </p:cNvSpPr>
-          <p:nvPr>
-            <p:ph idx="1"/>
-          </p:nvPr>
-        </p:nvSpPr>
-        <p:spPr/>
-        <p:txBody>
-          <a:bodyPr/>
-          <a:lstStyle/>
-          <a:p>
-            <a:r>
-              <a:rPr lang="en-US" dirty="0" smtClean="0"/>
-              <a:t>Figure out how to break down the problem into smaller versions of the same problem.</a:t>
-            </a:r>
-          </a:p>
-          <a:p>
-            <a:r>
-              <a:rPr lang="en-US" dirty="0" smtClean="0"/>
-              <a:t>Identify the base case of recursion</a:t>
-            </a:r>
-          </a:p>
-          <a:p>
-            <a:r>
-              <a:rPr lang="en-US" dirty="0" smtClean="0"/>
-              <a:t>If F represents a function to calculate the Fibonacci number, then</a:t>
-            </a:r>
-          </a:p>
-          <a:p>
-            <a:r>
-              <a:rPr lang="en-US" dirty="0" smtClean="0"/>
-              <a:t>F number = </a:t>
-            </a:r>
-            <a:r>
-              <a:rPr lang="en-US" dirty="0"/>
-              <a:t>F</a:t>
-            </a:r>
-            <a:r>
-              <a:rPr lang="en-US" dirty="0" smtClean="0"/>
-              <a:t> number - 1 + F number – 2</a:t>
-            </a:r>
-            <a:endParaRPr lang="en-US" dirty="0"/>
-          </a:p>
-          <a:p>
-            <a:r>
-              <a:rPr lang="en-US" dirty="0" smtClean="0"/>
-              <a:t>Base case- F of 0 = 0 F of 1 = 1.</a:t>
-            </a:r>
-            <a:endParaRPr lang="en-US" dirty="0"/>
-          </a:p>
-          <a:p>
-            <a:r>
-              <a:rPr lang="en-US" dirty="0" smtClean="0"/>
-              <a:t>F of 2 = F of 1 + F of 0</a:t>
-            </a:r>
-          </a:p>
-          <a:p>
-            <a:r>
-              <a:rPr lang="en-US" dirty="0" smtClean="0"/>
-              <a:t>F of 2 = 1+0</a:t>
-            </a:r>
-          </a:p>
-          <a:p>
-            <a:endParaRPr lang="en-US" dirty="0"/>
-          </a:p>
-        </p:txBody>
-      </p:sp>
-    </p:spTree>
-    <p:extLst>
-      <p:ext uri="{BB962C8B-B14F-4D97-AF65-F5344CB8AC3E}">
-        <p14:creationId xmlns:p14="http://schemas.microsoft.com/office/powerpoint/2010/main" val="2769424202"/>
-      </p:ext>
-    </p:extLst>
-  </p:cSld>
-  <p:clrMapOvr>
-    <a:masterClrMapping/>
-  </p:clrMapOvr>
-</p:sld>
-</file>
-
 <file path=ppt/slides/slide3.xml><?xml version="1.0" encoding="utf-8"?>
 <p:sld xmlns:a="http://schemas.openxmlformats.org/drawingml/2006/main" xmlns:r="http://schemas.openxmlformats.org/officeDocument/2006/relationships" xmlns:p="http://schemas.openxmlformats.org/presentationml/2006/main">
   <p:cSld>
@@ -19930,426 +18135,6 @@
     <p:extLst>
       <p:ext uri="{BB962C8B-B14F-4D97-AF65-F5344CB8AC3E}">
         <p14:creationId xmlns:p14="http://schemas.microsoft.com/office/powerpoint/2010/main" val="3359303206"/>
-      </p:ext>
-    </p:extLst>
-  </p:cSld>
-  <p:clrMapOvr>
-    <a:masterClrMapping/>
-  </p:clrMapOvr>
-</p:sld>
-</file>
-
-<file path=ppt/slides/slide30.xml><?xml version="1.0" encoding="utf-8"?>
-<p:sld xmlns:a="http://schemas.openxmlformats.org/drawingml/2006/main" xmlns:r="http://schemas.openxmlformats.org/officeDocument/2006/relationships" xmlns:p="http://schemas.openxmlformats.org/presentationml/2006/main">
-  <p:cSld>
-    <p:spTree>
-      <p:nvGrpSpPr>
-        <p:cNvPr id="1" name=""/>
-        <p:cNvGrpSpPr/>
-        <p:nvPr/>
-      </p:nvGrpSpPr>
-      <p:grpSpPr>
-        <a:xfrm>
-          <a:off x="0" y="0"/>
-          <a:ext cx="0" cy="0"/>
-          <a:chOff x="0" y="0"/>
-          <a:chExt cx="0" cy="0"/>
-        </a:xfrm>
-      </p:grpSpPr>
-      <p:sp>
-        <p:nvSpPr>
-          <p:cNvPr id="2" name="Title 1"/>
-          <p:cNvSpPr>
-            <a:spLocks noGrp="1"/>
-          </p:cNvSpPr>
-          <p:nvPr>
-            <p:ph type="title"/>
-          </p:nvPr>
-        </p:nvSpPr>
-        <p:spPr/>
-        <p:txBody>
-          <a:bodyPr/>
-          <a:lstStyle/>
-          <a:p>
-            <a:r>
-              <a:rPr lang="en-US" dirty="0" smtClean="0"/>
-              <a:t>Recursive factorial of a number</a:t>
-            </a:r>
-            <a:endParaRPr lang="en-US" dirty="0"/>
-          </a:p>
-        </p:txBody>
-      </p:sp>
-      <p:sp>
-        <p:nvSpPr>
-          <p:cNvPr id="3" name="Content Placeholder 2"/>
-          <p:cNvSpPr>
-            <a:spLocks noGrp="1"/>
-          </p:cNvSpPr>
-          <p:nvPr>
-            <p:ph idx="1"/>
-          </p:nvPr>
-        </p:nvSpPr>
-        <p:spPr/>
-        <p:txBody>
-          <a:bodyPr>
-            <a:normAutofit/>
-          </a:bodyPr>
-          <a:lstStyle/>
-          <a:p>
-            <a:r>
-              <a:rPr lang="en-US" dirty="0"/>
-              <a:t>Problem – give an integer ‘n’, find the factorial of that integer.</a:t>
-            </a:r>
-          </a:p>
-          <a:p>
-            <a:r>
-              <a:rPr lang="en-US" dirty="0"/>
-              <a:t>In mathematics, the factorial of a non-negative integer ‘n’, denoted n!, is the product of all positive integers less than or equal to ‘n</a:t>
-            </a:r>
-            <a:r>
-              <a:rPr lang="en-US" dirty="0" smtClean="0"/>
-              <a:t>’.</a:t>
-            </a:r>
-            <a:endParaRPr lang="en-US" dirty="0"/>
-          </a:p>
-          <a:p>
-            <a:r>
-              <a:rPr lang="en-US" dirty="0"/>
-              <a:t>Factorial of zero is 1</a:t>
-            </a:r>
-            <a:r>
-              <a:rPr lang="en-US" dirty="0" smtClean="0"/>
-              <a:t>.</a:t>
-            </a:r>
-          </a:p>
-          <a:p>
-            <a:r>
-              <a:rPr lang="en-US" dirty="0"/>
-              <a:t>5! = 5*4*3*2*1 </a:t>
-            </a:r>
-            <a:r>
-              <a:rPr lang="en-US" dirty="0" smtClean="0"/>
-              <a:t> (5 * 4!)</a:t>
-            </a:r>
-            <a:endParaRPr lang="en-US" dirty="0"/>
-          </a:p>
-          <a:p>
-            <a:r>
-              <a:rPr lang="en-US" dirty="0" smtClean="0"/>
-              <a:t>4! </a:t>
-            </a:r>
-            <a:r>
-              <a:rPr lang="en-US" dirty="0"/>
-              <a:t>= 4*3*2*1 </a:t>
-            </a:r>
-            <a:r>
-              <a:rPr lang="en-US" dirty="0" smtClean="0"/>
-              <a:t>(4 </a:t>
-            </a:r>
-            <a:r>
-              <a:rPr lang="en-US" dirty="0"/>
-              <a:t>* </a:t>
-            </a:r>
-            <a:r>
-              <a:rPr lang="en-US" dirty="0" smtClean="0"/>
-              <a:t>3!)</a:t>
-            </a:r>
-          </a:p>
-          <a:p>
-            <a:r>
-              <a:rPr lang="en-US" dirty="0" smtClean="0"/>
-              <a:t>3! = 3*2*1 (3 </a:t>
-            </a:r>
-            <a:r>
-              <a:rPr lang="en-US" dirty="0"/>
-              <a:t>* </a:t>
-            </a:r>
-            <a:r>
-              <a:rPr lang="en-US" dirty="0" smtClean="0"/>
-              <a:t>2!)</a:t>
-            </a:r>
-          </a:p>
-          <a:p>
-            <a:r>
-              <a:rPr lang="en-US" dirty="0" smtClean="0"/>
-              <a:t>2!= 2*1 (2 </a:t>
-            </a:r>
-            <a:r>
-              <a:rPr lang="en-US" dirty="0"/>
-              <a:t>* </a:t>
-            </a:r>
-            <a:r>
-              <a:rPr lang="en-US" dirty="0" smtClean="0"/>
-              <a:t>1!)</a:t>
-            </a:r>
-          </a:p>
-          <a:p>
-            <a:r>
-              <a:rPr lang="en-US" dirty="0" smtClean="0"/>
-              <a:t>1! = 1*1 (1 </a:t>
-            </a:r>
-            <a:r>
-              <a:rPr lang="en-US" dirty="0"/>
-              <a:t>* </a:t>
-            </a:r>
-            <a:r>
-              <a:rPr lang="en-US" dirty="0" smtClean="0"/>
-              <a:t>0!)</a:t>
-            </a:r>
-          </a:p>
-          <a:p>
-            <a:r>
-              <a:rPr lang="en-US" dirty="0" smtClean="0"/>
-              <a:t>0! =1 </a:t>
-            </a:r>
-            <a:endParaRPr lang="en-US" dirty="0"/>
-          </a:p>
-          <a:p>
-            <a:endParaRPr lang="en-US" dirty="0"/>
-          </a:p>
-          <a:p>
-            <a:endParaRPr lang="en-US" dirty="0"/>
-          </a:p>
-        </p:txBody>
-      </p:sp>
-      <p:sp>
-        <p:nvSpPr>
-          <p:cNvPr id="4" name="TextBox 3"/>
-          <p:cNvSpPr txBox="1"/>
-          <p:nvPr/>
-        </p:nvSpPr>
-        <p:spPr>
-          <a:xfrm>
-            <a:off x="5295014" y="4401878"/>
-            <a:ext cx="2062716" cy="369332"/>
-          </a:xfrm>
-          <a:prstGeom prst="rect">
-            <a:avLst/>
-          </a:prstGeom>
-          <a:noFill/>
-        </p:spPr>
-        <p:txBody>
-          <a:bodyPr wrap="square" rtlCol="0">
-            <a:spAutoFit/>
-          </a:bodyPr>
-          <a:lstStyle/>
-          <a:p>
-            <a:r>
-              <a:rPr lang="en-US" b="1" dirty="0" smtClean="0"/>
-              <a:t>n! = n*(n-1)!</a:t>
-            </a:r>
-            <a:endParaRPr lang="en-US" b="1" dirty="0"/>
-          </a:p>
-        </p:txBody>
-      </p:sp>
-    </p:spTree>
-    <p:extLst>
-      <p:ext uri="{BB962C8B-B14F-4D97-AF65-F5344CB8AC3E}">
-        <p14:creationId xmlns:p14="http://schemas.microsoft.com/office/powerpoint/2010/main" val="1146318065"/>
-      </p:ext>
-    </p:extLst>
-  </p:cSld>
-  <p:clrMapOvr>
-    <a:masterClrMapping/>
-  </p:clrMapOvr>
-</p:sld>
-</file>
-
-<file path=ppt/slides/slide31.xml><?xml version="1.0" encoding="utf-8"?>
-<p:sld xmlns:a="http://schemas.openxmlformats.org/drawingml/2006/main" xmlns:r="http://schemas.openxmlformats.org/officeDocument/2006/relationships" xmlns:p="http://schemas.openxmlformats.org/presentationml/2006/main">
-  <p:cSld>
-    <p:spTree>
-      <p:nvGrpSpPr>
-        <p:cNvPr id="1" name=""/>
-        <p:cNvGrpSpPr/>
-        <p:nvPr/>
-      </p:nvGrpSpPr>
-      <p:grpSpPr>
-        <a:xfrm>
-          <a:off x="0" y="0"/>
-          <a:ext cx="0" cy="0"/>
-          <a:chOff x="0" y="0"/>
-          <a:chExt cx="0" cy="0"/>
-        </a:xfrm>
-      </p:grpSpPr>
-      <p:sp>
-        <p:nvSpPr>
-          <p:cNvPr id="2" name="Title 1"/>
-          <p:cNvSpPr>
-            <a:spLocks noGrp="1"/>
-          </p:cNvSpPr>
-          <p:nvPr>
-            <p:ph type="title"/>
-          </p:nvPr>
-        </p:nvSpPr>
-        <p:spPr/>
-        <p:txBody>
-          <a:bodyPr/>
-          <a:lstStyle/>
-          <a:p>
-            <a:endParaRPr lang="en-US"/>
-          </a:p>
-        </p:txBody>
-      </p:sp>
-      <p:sp>
-        <p:nvSpPr>
-          <p:cNvPr id="3" name="Content Placeholder 2"/>
-          <p:cNvSpPr>
-            <a:spLocks noGrp="1"/>
-          </p:cNvSpPr>
-          <p:nvPr>
-            <p:ph idx="1"/>
-          </p:nvPr>
-        </p:nvSpPr>
-        <p:spPr/>
-        <p:txBody>
-          <a:bodyPr/>
-          <a:lstStyle/>
-          <a:p>
-            <a:endParaRPr lang="en-US"/>
-          </a:p>
-        </p:txBody>
-      </p:sp>
-    </p:spTree>
-    <p:extLst>
-      <p:ext uri="{BB962C8B-B14F-4D97-AF65-F5344CB8AC3E}">
-        <p14:creationId xmlns:p14="http://schemas.microsoft.com/office/powerpoint/2010/main" val="1799267714"/>
-      </p:ext>
-    </p:extLst>
-  </p:cSld>
-  <p:clrMapOvr>
-    <a:masterClrMapping/>
-  </p:clrMapOvr>
-</p:sld>
-</file>
-
-<file path=ppt/slides/slide32.xml><?xml version="1.0" encoding="utf-8"?>
-<p:sld xmlns:a="http://schemas.openxmlformats.org/drawingml/2006/main" xmlns:r="http://schemas.openxmlformats.org/officeDocument/2006/relationships" xmlns:p="http://schemas.openxmlformats.org/presentationml/2006/main">
-  <p:cSld>
-    <p:spTree>
-      <p:nvGrpSpPr>
-        <p:cNvPr id="1" name=""/>
-        <p:cNvGrpSpPr/>
-        <p:nvPr/>
-      </p:nvGrpSpPr>
-      <p:grpSpPr>
-        <a:xfrm>
-          <a:off x="0" y="0"/>
-          <a:ext cx="0" cy="0"/>
-          <a:chOff x="0" y="0"/>
-          <a:chExt cx="0" cy="0"/>
-        </a:xfrm>
-      </p:grpSpPr>
-      <p:sp>
-        <p:nvSpPr>
-          <p:cNvPr id="2" name="Title 1"/>
-          <p:cNvSpPr>
-            <a:spLocks noGrp="1"/>
-          </p:cNvSpPr>
-          <p:nvPr>
-            <p:ph type="title"/>
-          </p:nvPr>
-        </p:nvSpPr>
-        <p:spPr/>
-        <p:txBody>
-          <a:bodyPr/>
-          <a:lstStyle/>
-          <a:p>
-            <a:endParaRPr lang="en-US"/>
-          </a:p>
-        </p:txBody>
-      </p:sp>
-      <p:sp>
-        <p:nvSpPr>
-          <p:cNvPr id="3" name="Content Placeholder 2"/>
-          <p:cNvSpPr>
-            <a:spLocks noGrp="1"/>
-          </p:cNvSpPr>
-          <p:nvPr>
-            <p:ph idx="1"/>
-          </p:nvPr>
-        </p:nvSpPr>
-        <p:spPr/>
-        <p:txBody>
-          <a:bodyPr/>
-          <a:lstStyle/>
-          <a:p>
-            <a:endParaRPr lang="en-US"/>
-          </a:p>
-        </p:txBody>
-      </p:sp>
-    </p:spTree>
-    <p:extLst>
-      <p:ext uri="{BB962C8B-B14F-4D97-AF65-F5344CB8AC3E}">
-        <p14:creationId xmlns:p14="http://schemas.microsoft.com/office/powerpoint/2010/main" val="3516435234"/>
-      </p:ext>
-    </p:extLst>
-  </p:cSld>
-  <p:clrMapOvr>
-    <a:masterClrMapping/>
-  </p:clrMapOvr>
-</p:sld>
-</file>
-
-<file path=ppt/slides/slide33.xml><?xml version="1.0" encoding="utf-8"?>
-<p:sld xmlns:a="http://schemas.openxmlformats.org/drawingml/2006/main" xmlns:r="http://schemas.openxmlformats.org/officeDocument/2006/relationships" xmlns:p="http://schemas.openxmlformats.org/presentationml/2006/main">
-  <p:cSld>
-    <p:spTree>
-      <p:nvGrpSpPr>
-        <p:cNvPr id="1" name=""/>
-        <p:cNvGrpSpPr/>
-        <p:nvPr/>
-      </p:nvGrpSpPr>
-      <p:grpSpPr>
-        <a:xfrm>
-          <a:off x="0" y="0"/>
-          <a:ext cx="0" cy="0"/>
-          <a:chOff x="0" y="0"/>
-          <a:chExt cx="0" cy="0"/>
-        </a:xfrm>
-      </p:grpSpPr>
-      <p:sp>
-        <p:nvSpPr>
-          <p:cNvPr id="2" name="Title 1"/>
-          <p:cNvSpPr>
-            <a:spLocks noGrp="1"/>
-          </p:cNvSpPr>
-          <p:nvPr>
-            <p:ph type="title"/>
-          </p:nvPr>
-        </p:nvSpPr>
-        <p:spPr/>
-        <p:txBody>
-          <a:bodyPr/>
-          <a:lstStyle/>
-          <a:p>
-            <a:endParaRPr lang="en-US"/>
-          </a:p>
-        </p:txBody>
-      </p:sp>
-      <p:sp>
-        <p:nvSpPr>
-          <p:cNvPr id="3" name="Content Placeholder 2"/>
-          <p:cNvSpPr>
-            <a:spLocks noGrp="1"/>
-          </p:cNvSpPr>
-          <p:nvPr>
-            <p:ph idx="1"/>
-          </p:nvPr>
-        </p:nvSpPr>
-        <p:spPr/>
-        <p:txBody>
-          <a:bodyPr/>
-          <a:lstStyle/>
-          <a:p>
-            <a:endParaRPr lang="en-US"/>
-          </a:p>
-        </p:txBody>
-      </p:sp>
-    </p:spTree>
-    <p:extLst>
-      <p:ext uri="{BB962C8B-B14F-4D97-AF65-F5344CB8AC3E}">
-        <p14:creationId xmlns:p14="http://schemas.microsoft.com/office/powerpoint/2010/main" val="168172416"/>
       </p:ext>
     </p:extLst>
   </p:cSld>
